--- a/Presentations/Разработка веб-приложения. План.pptx
+++ b/Presentations/Разработка веб-приложения. План.pptx
@@ -5,7 +5,7 @@
     <p:sldMasterId id="2147483694" r:id="rId2"/>
   </p:sldMasterIdLst>
   <p:notesMasterIdLst>
-    <p:notesMasterId r:id="rId16"/>
+    <p:notesMasterId r:id="rId15"/>
   </p:notesMasterIdLst>
   <p:sldIdLst>
     <p:sldId id="256" r:id="rId3"/>
@@ -17,10 +17,9 @@
     <p:sldId id="260" r:id="rId9"/>
     <p:sldId id="263" r:id="rId10"/>
     <p:sldId id="258" r:id="rId11"/>
-    <p:sldId id="269" r:id="rId12"/>
-    <p:sldId id="272" r:id="rId13"/>
-    <p:sldId id="265" r:id="rId14"/>
-    <p:sldId id="271" r:id="rId15"/>
+    <p:sldId id="272" r:id="rId12"/>
+    <p:sldId id="269" r:id="rId13"/>
+    <p:sldId id="271" r:id="rId14"/>
   </p:sldIdLst>
   <p:sldSz cx="9144000" cy="6858000" type="screen4x3"/>
   <p:notesSz cx="6858000" cy="9144000"/>
@@ -1883,7 +1882,7 @@
             <a:fld id="{2447E72A-D913-4DC2-9E0A-E520CE8FCC86}" type="datetimeFigureOut">
               <a:rPr lang="ru-RU" smtClean="0"/>
               <a:pPr/>
-              <a:t>21.03.2016</a:t>
+              <a:t>27.03.2016</a:t>
             </a:fld>
             <a:endParaRPr lang="ru-RU"/>
           </a:p>
@@ -2241,105 +2240,6 @@
 </p:notes>
 </file>
 
-<file path=ppt/notesSlides/notesSlide10.xml><?xml version="1.0" encoding="utf-8"?>
-<p:notes xmlns:a="http://schemas.openxmlformats.org/drawingml/2006/main" xmlns:r="http://schemas.openxmlformats.org/officeDocument/2006/relationships" xmlns:p="http://schemas.openxmlformats.org/presentationml/2006/main">
-  <p:cSld>
-    <p:spTree>
-      <p:nvGrpSpPr>
-        <p:cNvPr id="1" name=""/>
-        <p:cNvGrpSpPr/>
-        <p:nvPr/>
-      </p:nvGrpSpPr>
-      <p:grpSpPr>
-        <a:xfrm>
-          <a:off x="0" y="0"/>
-          <a:ext cx="0" cy="0"/>
-          <a:chOff x="0" y="0"/>
-          <a:chExt cx="0" cy="0"/>
-        </a:xfrm>
-      </p:grpSpPr>
-      <p:sp>
-        <p:nvSpPr>
-          <p:cNvPr id="2" name="Slide Image Placeholder 1"/>
-          <p:cNvSpPr>
-            <a:spLocks noGrp="1" noRot="1" noChangeAspect="1"/>
-          </p:cNvSpPr>
-          <p:nvPr>
-            <p:ph type="sldImg"/>
-          </p:nvPr>
-        </p:nvSpPr>
-        <p:spPr/>
-      </p:sp>
-      <p:sp>
-        <p:nvSpPr>
-          <p:cNvPr id="3" name="Notes Placeholder 2"/>
-          <p:cNvSpPr>
-            <a:spLocks noGrp="1"/>
-          </p:cNvSpPr>
-          <p:nvPr>
-            <p:ph type="body" idx="1"/>
-          </p:nvPr>
-        </p:nvSpPr>
-        <p:spPr/>
-        <p:txBody>
-          <a:bodyPr>
-            <a:normAutofit/>
-          </a:bodyPr>
-          <a:lstStyle/>
-          <a:p>
-            <a:r>
-              <a:rPr lang="ru-RU" dirty="0" smtClean="0"/>
-              <a:t>Возможность</a:t>
-            </a:r>
-            <a:r>
-              <a:rPr lang="ru-RU" baseline="0" dirty="0" smtClean="0"/>
-              <a:t>задать вопросы</a:t>
-            </a:r>
-            <a:r>
-              <a:rPr lang="ru-RU" dirty="0" smtClean="0"/>
-              <a:t>и организовать обсуждение.</a:t>
-            </a:r>
-            <a:endParaRPr lang="ru-RU" dirty="0"/>
-          </a:p>
-        </p:txBody>
-      </p:sp>
-      <p:sp>
-        <p:nvSpPr>
-          <p:cNvPr id="4" name="Slide Number Placeholder 3"/>
-          <p:cNvSpPr>
-            <a:spLocks noGrp="1"/>
-          </p:cNvSpPr>
-          <p:nvPr>
-            <p:ph type="sldNum" sz="quarter" idx="10"/>
-          </p:nvPr>
-        </p:nvSpPr>
-        <p:spPr/>
-        <p:txBody>
-          <a:bodyPr/>
-          <a:lstStyle/>
-          <a:p>
-            <a:fld id="{A5D78FC6-CE17-4259-A63C-DDFC12E048FC}" type="slidenum">
-              <a:rPr lang="ru-RU" smtClean="0"/>
-              <a:pPr/>
-              <a:t>12</a:t>
-            </a:fld>
-            <a:endParaRPr lang="ru-RU"/>
-          </a:p>
-        </p:txBody>
-      </p:sp>
-    </p:spTree>
-    <p:extLst>
-      <p:ext uri="{BB962C8B-B14F-4D97-AF65-F5344CB8AC3E}">
-        <p14:creationId xmlns:p14="http://schemas.microsoft.com/office/powerpoint/2010/main" val="1479464852"/>
-      </p:ext>
-    </p:extLst>
-  </p:cSld>
-  <p:clrMapOvr>
-    <a:masterClrMapping/>
-  </p:clrMapOvr>
-</p:notes>
-</file>
-
 <file path=ppt/notesSlides/notesSlide2.xml><?xml version="1.0" encoding="utf-8"?>
 <p:notes xmlns:a="http://schemas.openxmlformats.org/drawingml/2006/main" xmlns:r="http://schemas.openxmlformats.org/officeDocument/2006/relationships" xmlns:p="http://schemas.openxmlformats.org/presentationml/2006/main">
   <p:cSld>
@@ -3096,7 +2996,7 @@
             <a:fld id="{A5D78FC6-CE17-4259-A63C-DDFC12E048FC}" type="slidenum">
               <a:rPr lang="ru-RU" smtClean="0"/>
               <a:pPr/>
-              <a:t>10</a:t>
+              <a:t>11</a:t>
             </a:fld>
             <a:endParaRPr lang="ru-RU"/>
           </a:p>
@@ -3417,7 +3317,7 @@
             <a:fld id="{743653DA-8BF4-4869-96FE-9BCF43372D46}" type="datetime8">
               <a:rPr lang="ru-RU" smtClean="0"/>
               <a:pPr algn="ctr"/>
-              <a:t>21.03.2016 20:14</a:t>
+              <a:t>27.03.2016 20:18</a:t>
             </a:fld>
             <a:endParaRPr lang="ru-RU" sz="2000" dirty="0">
               <a:solidFill>
@@ -3627,7 +3527,7 @@
                 </a:solidFill>
               </a:rPr>
               <a:pPr/>
-              <a:t>21.03.2016 20:14</a:t>
+              <a:t>27.03.2016 20:18</a:t>
             </a:fld>
             <a:endParaRPr lang="ru-RU"/>
           </a:p>
@@ -3817,7 +3717,7 @@
                 </a:solidFill>
               </a:rPr>
               <a:pPr/>
-              <a:t>21.03.2016 20:14</a:t>
+              <a:t>27.03.2016 20:18</a:t>
             </a:fld>
             <a:endParaRPr lang="ru-RU" dirty="0"/>
           </a:p>
@@ -4086,7 +3986,7 @@
             <a:fld id="{B7129108-AC8D-4212-9283-60D9E99BF07A}" type="datetime8">
               <a:rPr lang="ru-RU" smtClean="0"/>
               <a:pPr/>
-              <a:t>21.03.2016 20:14</a:t>
+              <a:t>27.03.2016 20:18</a:t>
             </a:fld>
             <a:endParaRPr lang="ru-RU" dirty="0"/>
           </a:p>
@@ -4503,7 +4403,7 @@
             <a:fld id="{B6DED3D3-6235-4F4C-B439-DF277FB555A7}" type="datetime8">
               <a:rPr lang="ru-RU" smtClean="0"/>
               <a:pPr/>
-              <a:t>21.03.2016 20:14</a:t>
+              <a:t>27.03.2016 20:18</a:t>
             </a:fld>
             <a:endParaRPr lang="ru-RU"/>
           </a:p>
@@ -4752,7 +4652,7 @@
             <a:fld id="{3B5F1E3E-4B2F-4895-B65E-28B2E64F39F6}" type="datetime8">
               <a:rPr lang="ru-RU" smtClean="0"/>
               <a:pPr/>
-              <a:t>21.03.2016 20:14</a:t>
+              <a:t>27.03.2016 20:18</a:t>
             </a:fld>
             <a:endParaRPr lang="ru-RU"/>
           </a:p>
@@ -4991,7 +4891,7 @@
             <a:fld id="{63085435-8225-4333-BFFA-0096413F0D76}" type="datetime8">
               <a:rPr lang="ru-RU" smtClean="0"/>
               <a:pPr/>
-              <a:t>21.03.2016 20:14</a:t>
+              <a:t>27.03.2016 20:18</a:t>
             </a:fld>
             <a:endParaRPr lang="ru-RU"/>
           </a:p>
@@ -5189,7 +5089,7 @@
             <a:fld id="{0783C494-2A87-468C-A21B-CB14FB9ABB00}" type="datetime8">
               <a:rPr lang="ru-RU" smtClean="0"/>
               <a:pPr/>
-              <a:t>21.03.2016 20:14</a:t>
+              <a:t>27.03.2016 20:18</a:t>
             </a:fld>
             <a:endParaRPr lang="ru-RU"/>
           </a:p>
@@ -5293,7 +5193,7 @@
             <a:fld id="{9A180FA0-5B31-4864-A2BB-719EA5A679C6}" type="datetime8">
               <a:rPr lang="ru-RU" smtClean="0"/>
               <a:pPr/>
-              <a:t>21.03.2016 20:14</a:t>
+              <a:t>27.03.2016 20:18</a:t>
             </a:fld>
             <a:endParaRPr lang="ru-RU"/>
           </a:p>
@@ -5435,7 +5335,7 @@
             <a:fld id="{4BECC0C8-36B8-442A-833D-B6AACE86BB77}" type="datetime8">
               <a:rPr lang="ru-RU" smtClean="0"/>
               <a:pPr/>
-              <a:t>21.03.2016 20:14</a:t>
+              <a:t>27.03.2016 20:18</a:t>
             </a:fld>
             <a:endParaRPr lang="ru-RU"/>
           </a:p>
@@ -5910,7 +5810,7 @@
             <a:fld id="{51E20EC5-AC53-4169-941E-EDF10CD23748}" type="datetime8">
               <a:rPr lang="ru-RU" smtClean="0"/>
               <a:pPr/>
-              <a:t>21.03.2016 20:14</a:t>
+              <a:t>27.03.2016 20:18</a:t>
             </a:fld>
             <a:endParaRPr lang="ru-RU"/>
           </a:p>
@@ -6178,7 +6078,7 @@
                 </a:solidFill>
               </a:rPr>
               <a:pPr/>
-              <a:t>21.03.2016 20:14</a:t>
+              <a:t>27.03.2016 20:18</a:t>
             </a:fld>
             <a:endParaRPr lang="ru-RU" sz="1400" dirty="0">
               <a:solidFill>
@@ -6916,7 +6816,7 @@
       </p:grpSpPr>
       <p:sp>
         <p:nvSpPr>
-          <p:cNvPr id="2" name="Rectangle 1"/>
+          <p:cNvPr id="2" name="Заголовок 1"/>
           <p:cNvSpPr>
             <a:spLocks noGrp="1"/>
           </p:cNvSpPr>
@@ -6931,163 +6831,9 @@
           <a:p>
             <a:r>
               <a:rPr lang="ru-RU" dirty="0" smtClean="0"/>
-              <a:t>Заключение</a:t>
-            </a:r>
-            <a:endParaRPr lang="ru-RU" dirty="0"/>
-          </a:p>
-        </p:txBody>
-      </p:sp>
-      <p:sp>
-        <p:nvSpPr>
-          <p:cNvPr id="3" name="Rectangle 2"/>
-          <p:cNvSpPr>
-            <a:spLocks noGrp="1"/>
-          </p:cNvSpPr>
-          <p:nvPr>
-            <p:ph sz="quarter" idx="1"/>
-          </p:nvPr>
-        </p:nvSpPr>
-        <p:spPr/>
-        <p:txBody>
-          <a:bodyPr/>
-          <a:lstStyle/>
-          <a:p>
-            <a:pPr>
-              <a:buFont typeface="Wingdings" pitchFamily="2" charset="2"/>
-              <a:buChar char="Ø"/>
-            </a:pPr>
-            <a:r>
-              <a:rPr lang="ru-RU" dirty="0" smtClean="0"/>
-              <a:t>Основная цель: научить создавать простое веб-приложение.</a:t>
-            </a:r>
-          </a:p>
-          <a:p>
-            <a:pPr>
-              <a:buFont typeface="Wingdings" pitchFamily="2" charset="2"/>
-              <a:buChar char="Ø"/>
-            </a:pPr>
-            <a:endParaRPr lang="ru-RU" dirty="0" smtClean="0"/>
-          </a:p>
-          <a:p>
-            <a:pPr>
-              <a:buFont typeface="Wingdings" pitchFamily="2" charset="2"/>
-              <a:buChar char="Ø"/>
-            </a:pPr>
-            <a:r>
-              <a:rPr lang="ru-RU" dirty="0" smtClean="0"/>
-              <a:t>Объяснить</a:t>
-            </a:r>
-            <a:r>
-              <a:rPr lang="ru-RU" dirty="0" smtClean="0"/>
-              <a:t>, какие </a:t>
-            </a:r>
-            <a:r>
-              <a:rPr lang="ru-RU" dirty="0" smtClean="0"/>
-              <a:t>существуют подходы в веб-программировании</a:t>
-            </a:r>
-            <a:r>
-              <a:rPr lang="ru-RU" dirty="0" smtClean="0"/>
-              <a:t>, </a:t>
-            </a:r>
-            <a:r>
-              <a:rPr lang="ru-RU" dirty="0" smtClean="0"/>
-              <a:t>разобрать для примера </a:t>
-            </a:r>
-            <a:r>
-              <a:rPr lang="en-US" dirty="0" smtClean="0"/>
-              <a:t>asp.net </a:t>
-            </a:r>
-            <a:r>
-              <a:rPr lang="ru-RU" dirty="0" smtClean="0"/>
-              <a:t>и </a:t>
-            </a:r>
-            <a:r>
-              <a:rPr lang="en-US" dirty="0" err="1" smtClean="0"/>
-              <a:t>OracleDB</a:t>
-            </a:r>
-            <a:r>
-              <a:rPr lang="en-US" dirty="0" smtClean="0"/>
-              <a:t>.</a:t>
-            </a:r>
-          </a:p>
-          <a:p>
-            <a:pPr>
-              <a:buFont typeface="Wingdings" pitchFamily="2" charset="2"/>
-              <a:buChar char="Ø"/>
-            </a:pPr>
-            <a:r>
-              <a:rPr lang="ru-RU" dirty="0" smtClean="0"/>
-              <a:t>Заинтересовать </a:t>
-            </a:r>
-            <a:r>
-              <a:rPr lang="en-US" dirty="0" smtClean="0"/>
-              <a:t>web-</a:t>
-            </a:r>
-            <a:r>
-              <a:rPr lang="ru-RU" dirty="0" smtClean="0"/>
-              <a:t>разработкой</a:t>
-            </a:r>
-          </a:p>
-          <a:p>
-            <a:pPr>
-              <a:buFont typeface="Wingdings" pitchFamily="2" charset="2"/>
-              <a:buChar char="Ø"/>
-            </a:pPr>
-            <a:r>
-              <a:rPr lang="ru-RU" dirty="0" smtClean="0"/>
-              <a:t>Объяснить, что важны технологии, а не инструменты</a:t>
-            </a:r>
-          </a:p>
-        </p:txBody>
-      </p:sp>
-    </p:spTree>
-  </p:cSld>
-  <p:clrMapOvr>
-    <a:masterClrMapping/>
-  </p:clrMapOvr>
-  <p:timing>
-    <p:tnLst>
-      <p:par>
-        <p:cTn id="1" dur="indefinite" restart="never" nodeType="tmRoot"/>
-      </p:par>
-    </p:tnLst>
-  </p:timing>
-</p:sld>
-</file>
-
-<file path=ppt/slides/slide11.xml><?xml version="1.0" encoding="utf-8"?>
-<p:sld xmlns:a="http://schemas.openxmlformats.org/drawingml/2006/main" xmlns:r="http://schemas.openxmlformats.org/officeDocument/2006/relationships" xmlns:p="http://schemas.openxmlformats.org/presentationml/2006/main">
-  <p:cSld>
-    <p:spTree>
-      <p:nvGrpSpPr>
-        <p:cNvPr id="1" name=""/>
-        <p:cNvGrpSpPr/>
-        <p:nvPr/>
-      </p:nvGrpSpPr>
-      <p:grpSpPr>
-        <a:xfrm>
-          <a:off x="0" y="0"/>
-          <a:ext cx="0" cy="0"/>
-          <a:chOff x="0" y="0"/>
-          <a:chExt cx="0" cy="0"/>
-        </a:xfrm>
-      </p:grpSpPr>
-      <p:sp>
-        <p:nvSpPr>
-          <p:cNvPr id="2" name="Заголовок 1"/>
-          <p:cNvSpPr>
-            <a:spLocks noGrp="1"/>
-          </p:cNvSpPr>
-          <p:nvPr>
-            <p:ph type="title"/>
-          </p:nvPr>
-        </p:nvSpPr>
-        <p:spPr/>
-        <p:txBody>
-          <a:bodyPr/>
-          <a:lstStyle/>
-          <a:p>
-            <a:endParaRPr lang="en-GB"/>
+              <a:t>Обсуждение по завершению</a:t>
+            </a:r>
+            <a:endParaRPr lang="en-GB" dirty="0"/>
           </a:p>
         </p:txBody>
       </p:sp>
@@ -7370,7 +7116,6 @@
               <a:rPr lang="ru-RU" dirty="0" smtClean="0"/>
               <a:t>Сложность создания</a:t>
             </a:r>
-            <a:endParaRPr lang="ru-RU" dirty="0" smtClean="0"/>
           </a:p>
         </p:txBody>
       </p:sp>
@@ -7428,7 +7173,7 @@
 </p:sld>
 </file>
 
-<file path=ppt/slides/slide12.xml><?xml version="1.0" encoding="utf-8"?>
+<file path=ppt/slides/slide11.xml><?xml version="1.0" encoding="utf-8"?>
 <p:sld xmlns:a="http://schemas.openxmlformats.org/drawingml/2006/main" xmlns:r="http://schemas.openxmlformats.org/officeDocument/2006/relationships" xmlns:p="http://schemas.openxmlformats.org/presentationml/2006/main">
   <p:cSld>
     <p:spTree>
@@ -7447,7 +7192,7 @@
       </p:grpSpPr>
       <p:sp>
         <p:nvSpPr>
-          <p:cNvPr id="2" name="Title 1"/>
+          <p:cNvPr id="2" name="Rectangle 1"/>
           <p:cNvSpPr>
             <a:spLocks noGrp="1"/>
           </p:cNvSpPr>
@@ -7462,7 +7207,7 @@
           <a:p>
             <a:r>
               <a:rPr lang="ru-RU" dirty="0" smtClean="0"/>
-              <a:t>Вопросы/обсуждение</a:t>
+              <a:t>Заключение</a:t>
             </a:r>
             <a:endParaRPr lang="ru-RU" dirty="0"/>
           </a:p>
@@ -7470,7 +7215,7 @@
       </p:sp>
       <p:sp>
         <p:nvSpPr>
-          <p:cNvPr id="3" name="Content Placeholder 2"/>
+          <p:cNvPr id="3" name="Rectangle 2"/>
           <p:cNvSpPr>
             <a:spLocks noGrp="1"/>
           </p:cNvSpPr>
@@ -7491,32 +7236,19 @@
             </a:pPr>
             <a:r>
               <a:rPr lang="ru-RU" dirty="0" smtClean="0"/>
-              <a:t>Что стоит добавить в </a:t>
+              <a:t>Основная цель: научить создавать простое веб-приложение</a:t>
             </a:r>
             <a:r>
               <a:rPr lang="ru-RU" dirty="0" smtClean="0"/>
-              <a:t>приложение?</a:t>
-            </a:r>
-            <a:endParaRPr lang="ru-RU" dirty="0" smtClean="0"/>
+              <a:t>.</a:t>
+            </a:r>
           </a:p>
           <a:p>
             <a:pPr>
               <a:buFont typeface="Wingdings" pitchFamily="2" charset="2"/>
               <a:buChar char="Ø"/>
             </a:pPr>
-            <a:r>
-              <a:rPr lang="ru-RU" dirty="0" smtClean="0"/>
-              <a:t>Какие </a:t>
-            </a:r>
-            <a:r>
-              <a:rPr lang="ru-RU" dirty="0" smtClean="0"/>
-              <a:t>недостатки приложения можно </a:t>
-            </a:r>
-            <a:r>
-              <a:rPr lang="ru-RU" dirty="0" smtClean="0"/>
-              <a:t>выделить?</a:t>
-            </a:r>
-            <a:endParaRPr lang="ru-RU" dirty="0" smtClean="0"/>
+            <a:endParaRPr lang="ru-RU" dirty="0"/>
           </a:p>
           <a:p>
             <a:pPr>
@@ -7525,81 +7257,71 @@
             </a:pPr>
             <a:r>
               <a:rPr lang="ru-RU" dirty="0" smtClean="0"/>
-              <a:t>Какие </a:t>
+              <a:t>Объяснить</a:t>
             </a:r>
             <a:r>
               <a:rPr lang="ru-RU" dirty="0" smtClean="0"/>
-              <a:t>уязвимости в безопасности есть?</a:t>
-            </a:r>
+              <a:t>, какие существуют подходы в веб-программировании, разобрать для примера </a:t>
+            </a:r>
+            <a:r>
+              <a:rPr lang="en-US" dirty="0" smtClean="0"/>
+              <a:t>asp.net </a:t>
+            </a:r>
+            <a:r>
+              <a:rPr lang="ru-RU" dirty="0" smtClean="0"/>
+              <a:t>и </a:t>
+            </a:r>
+            <a:r>
+              <a:rPr lang="en-US" dirty="0" err="1" smtClean="0"/>
+              <a:t>OracleDB</a:t>
+            </a:r>
+            <a:r>
+              <a:rPr lang="en-US" dirty="0" smtClean="0"/>
+              <a:t>.</a:t>
+            </a:r>
+            <a:endParaRPr lang="ru-RU" dirty="0" smtClean="0"/>
           </a:p>
           <a:p>
             <a:pPr>
               <a:buFont typeface="Wingdings" pitchFamily="2" charset="2"/>
               <a:buChar char="Ø"/>
             </a:pPr>
-            <a:r>
-              <a:rPr lang="ru-RU" dirty="0" smtClean="0"/>
-              <a:t>Как </a:t>
-            </a:r>
-            <a:r>
-              <a:rPr lang="ru-RU" dirty="0" smtClean="0"/>
-              <a:t>вы оцениваете свои приложения по 10 бальной </a:t>
-            </a:r>
-            <a:r>
-              <a:rPr lang="ru-RU" dirty="0" smtClean="0"/>
-              <a:t>шкале?</a:t>
-            </a:r>
-          </a:p>
-          <a:p>
-            <a:pPr lvl="1">
+            <a:endParaRPr lang="en-US" dirty="0" smtClean="0"/>
+          </a:p>
+          <a:p>
+            <a:pPr>
               <a:buFont typeface="Wingdings" pitchFamily="2" charset="2"/>
               <a:buChar char="Ø"/>
             </a:pPr>
             <a:r>
               <a:rPr lang="ru-RU" dirty="0" smtClean="0"/>
-              <a:t>Копирование частей кода</a:t>
-            </a:r>
-          </a:p>
-          <a:p>
-            <a:pPr lvl="1">
+              <a:t>Заинтересовать </a:t>
+            </a:r>
+            <a:r>
+              <a:rPr lang="en-US" dirty="0" smtClean="0"/>
+              <a:t>web-</a:t>
+            </a:r>
+            <a:r>
+              <a:rPr lang="ru-RU" dirty="0" smtClean="0"/>
+              <a:t>разработкой</a:t>
+            </a:r>
+          </a:p>
+          <a:p>
+            <a:pPr>
               <a:buFont typeface="Wingdings" pitchFamily="2" charset="2"/>
               <a:buChar char="Ø"/>
             </a:pPr>
-            <a:r>
-              <a:rPr lang="ru-RU" dirty="0" smtClean="0"/>
-              <a:t>Чистота кода</a:t>
-            </a:r>
-          </a:p>
-          <a:p>
-            <a:pPr lvl="1">
+            <a:endParaRPr lang="ru-RU" dirty="0" smtClean="0"/>
+          </a:p>
+          <a:p>
+            <a:pPr>
               <a:buFont typeface="Wingdings" pitchFamily="2" charset="2"/>
               <a:buChar char="Ø"/>
             </a:pPr>
             <a:r>
               <a:rPr lang="ru-RU" dirty="0" smtClean="0"/>
-              <a:t>Понятность кода</a:t>
-            </a:r>
-          </a:p>
-          <a:p>
-            <a:pPr lvl="1">
-              <a:buFont typeface="Wingdings" pitchFamily="2" charset="2"/>
-              <a:buChar char="Ø"/>
-            </a:pPr>
-            <a:r>
-              <a:rPr lang="ru-RU" dirty="0" smtClean="0"/>
-              <a:t>Удобство интерфейса</a:t>
-            </a:r>
-          </a:p>
-          <a:p>
-            <a:pPr lvl="1">
-              <a:buFont typeface="Wingdings" pitchFamily="2" charset="2"/>
-              <a:buChar char="Ø"/>
-            </a:pPr>
-            <a:r>
-              <a:rPr lang="ru-RU" dirty="0" smtClean="0"/>
-              <a:t>Сложность создания</a:t>
-            </a:r>
-            <a:endParaRPr lang="ru-RU" dirty="0" smtClean="0"/>
+              <a:t>Объяснить, что важны технологии, а не инструменты</a:t>
+            </a:r>
           </a:p>
         </p:txBody>
       </p:sp>
@@ -7618,7 +7340,7 @@
 </p:sld>
 </file>
 
-<file path=ppt/slides/slide13.xml><?xml version="1.0" encoding="utf-8"?>
+<file path=ppt/slides/slide12.xml><?xml version="1.0" encoding="utf-8"?>
 <p:sld xmlns:a="http://schemas.openxmlformats.org/drawingml/2006/main" xmlns:r="http://schemas.openxmlformats.org/officeDocument/2006/relationships" xmlns:p="http://schemas.openxmlformats.org/presentationml/2006/main">
   <p:cSld>
     <p:spTree>
@@ -8106,7 +7828,6 @@
               <a:rPr lang="en-GB" dirty="0"/>
               <a:t>mva.microsoft.com</a:t>
             </a:r>
-            <a:endParaRPr lang="en-GB" dirty="0"/>
           </a:p>
           <a:p>
             <a:pPr lvl="1">
@@ -8317,11 +8038,7 @@
                       <a:pPr algn="ctr"/>
                       <a:r>
                         <a:rPr lang="ru-RU" sz="1200" dirty="0" smtClean="0"/>
-                        <a:t>Введение в </a:t>
-                      </a:r>
-                      <a:r>
-                        <a:rPr lang="ru-RU" sz="1200" dirty="0" smtClean="0"/>
-                        <a:t>С</a:t>
+                        <a:t>Введение в С</a:t>
                       </a:r>
                       <a:r>
                         <a:rPr lang="en-US" sz="1200" dirty="0" smtClean="0"/>
@@ -8446,11 +8163,7 @@
                       </a:r>
                       <a:r>
                         <a:rPr lang="en-US" sz="1200" dirty="0" smtClean="0"/>
-                        <a:t> </a:t>
-                      </a:r>
-                      <a:r>
-                        <a:rPr lang="en-US" sz="1200" dirty="0" smtClean="0"/>
-                        <a:t>21</a:t>
+                        <a:t> 21</a:t>
                       </a:r>
                       <a:endParaRPr lang="ru-RU" sz="1200" dirty="0"/>
                     </a:p>
@@ -9367,11 +9080,7 @@
             </a:pPr>
             <a:r>
               <a:rPr lang="ru-RU" dirty="0" smtClean="0"/>
-              <a:t>Разработать завершенное </a:t>
-            </a:r>
-            <a:r>
-              <a:rPr lang="ru-RU" dirty="0" smtClean="0"/>
-              <a:t>веб-приложение на основе </a:t>
+              <a:t>Разработать завершенное веб-приложение на основе </a:t>
             </a:r>
             <a:r>
               <a:rPr lang="en-US" dirty="0" smtClean="0"/>
@@ -9386,23 +9095,7 @@
             </a:pPr>
             <a:r>
               <a:rPr lang="ru-RU" dirty="0" smtClean="0"/>
-              <a:t>Научиться одной из лучших </a:t>
-            </a:r>
-            <a:r>
-              <a:rPr lang="ru-RU" dirty="0" smtClean="0"/>
-              <a:t>востребованных </a:t>
-            </a:r>
-            <a:r>
-              <a:rPr lang="ru-RU" dirty="0" smtClean="0"/>
-              <a:t>практик </a:t>
-            </a:r>
-            <a:r>
-              <a:rPr lang="ru-RU" dirty="0" smtClean="0"/>
-              <a:t>ООП для </a:t>
-            </a:r>
-            <a:r>
-              <a:rPr lang="ru-RU" dirty="0" smtClean="0"/>
-              <a:t>веб</a:t>
+              <a:t>Научиться одной из лучших востребованных практик ООП для веб</a:t>
             </a:r>
           </a:p>
           <a:p>
@@ -9431,7 +9124,6 @@
               <a:rPr lang="ru-RU" dirty="0" smtClean="0"/>
               <a:t>Рабочее веб-приложение</a:t>
             </a:r>
-            <a:endParaRPr lang="ru-RU" dirty="0" smtClean="0"/>
           </a:p>
           <a:p>
             <a:pPr lvl="1">
@@ -9485,7 +9177,6 @@
               <a:rPr lang="ru-RU" dirty="0" smtClean="0"/>
               <a:t>архитектурой</a:t>
             </a:r>
-            <a:endParaRPr lang="ru-RU" dirty="0" smtClean="0"/>
           </a:p>
           <a:p>
             <a:pPr lvl="1">
@@ -9657,11 +9348,7 @@
             </a:pPr>
             <a:r>
               <a:rPr lang="ru-RU" dirty="0" smtClean="0"/>
-              <a:t>Шаблоны/примеры </a:t>
-            </a:r>
-            <a:r>
-              <a:rPr lang="ru-RU" dirty="0" smtClean="0"/>
-              <a:t>кода</a:t>
+              <a:t>Шаблоны/примеры кода</a:t>
             </a:r>
           </a:p>
           <a:p>
@@ -9985,17 +9672,12 @@
             </a:pPr>
             <a:r>
               <a:rPr lang="en-US" dirty="0" err="1" smtClean="0"/>
-              <a:t>.</a:t>
-            </a:r>
-            <a:r>
-              <a:rPr lang="en-US" dirty="0" err="1" smtClean="0"/>
-              <a:t>net</a:t>
+              <a:t>.net</a:t>
             </a:r>
             <a:r>
               <a:rPr lang="en-US" dirty="0" smtClean="0"/>
               <a:t> Framework</a:t>
             </a:r>
-            <a:endParaRPr lang="en-US" dirty="0" smtClean="0"/>
           </a:p>
           <a:p>
             <a:pPr lvl="1">
@@ -10064,11 +9746,7 @@
             </a:pPr>
             <a:r>
               <a:rPr lang="ru-RU" dirty="0" smtClean="0"/>
-              <a:t>Архитектурный подход разработки </a:t>
-            </a:r>
-            <a:r>
-              <a:rPr lang="ru-RU" dirty="0" smtClean="0"/>
-              <a:t>приложений, набор различных паттернов программирования. Основные элементы: </a:t>
+              <a:t>Архитектурный подход разработки приложений, набор различных паттернов программирования. Основные элементы: </a:t>
             </a:r>
             <a:r>
               <a:rPr lang="en-US" dirty="0" smtClean="0"/>
@@ -10096,7 +9774,6 @@
               <a:rPr lang="ru-RU" dirty="0" smtClean="0"/>
               <a:t>Технология, предоставляющая доступ к данным в приложении</a:t>
             </a:r>
-            <a:endParaRPr lang="ru-RU" dirty="0" smtClean="0"/>
           </a:p>
           <a:p>
             <a:pPr>
@@ -10105,11 +9782,7 @@
             </a:pPr>
             <a:r>
               <a:rPr lang="ru-RU" dirty="0" smtClean="0"/>
-              <a:t>Модульный </a:t>
-            </a:r>
-            <a:r>
-              <a:rPr lang="ru-RU" dirty="0" smtClean="0"/>
-              <a:t>тест </a:t>
+              <a:t>Модульный тест </a:t>
             </a:r>
             <a:r>
               <a:rPr lang="en-US" dirty="0" smtClean="0"/>
@@ -10126,7 +9799,6 @@
               <a:rPr lang="ru-RU" dirty="0" smtClean="0"/>
               <a:t>Процесс, позволяющий проверить отдельные модули программы (чаще всего проверяется отдельный нетривиальный метод класса)</a:t>
             </a:r>
-            <a:endParaRPr lang="ru-RU" dirty="0" smtClean="0"/>
           </a:p>
           <a:p>
             <a:pPr>
@@ -10156,7 +9828,6 @@
               <a:rPr lang="ru-RU" dirty="0" smtClean="0"/>
               <a:t>Процесс, позволяющей проверить способность приложений, как целого, выполнять определенные функции, решать задачи, нужные пользователю.</a:t>
             </a:r>
-            <a:endParaRPr lang="ru-RU" dirty="0" smtClean="0"/>
           </a:p>
           <a:p>
             <a:pPr>
